--- a/docs/Presentation - AlTo.pptx
+++ b/docs/Presentation - AlTo.pptx
@@ -7068,6 +7068,7 @@
       <p:pic>
         <p:nvPicPr>
           <p:cNvPr id="34" name="Graphic 33" descr="Lightbulb with solid fill">
+            <a:hlinkClick r:id="rId27" action="ppaction://hlinksldjump"/>
             <a:extLst>
               <a:ext uri="{FF2B5EF4-FFF2-40B4-BE49-F238E27FC236}">
                 <a16:creationId xmlns:a16="http://schemas.microsoft.com/office/drawing/2014/main" id="{5DAC027A-9709-EB58-668E-9E02CFEBDA4E}"/>
@@ -7080,13 +7081,13 @@
           <p:nvPr/>
         </p:nvPicPr>
         <p:blipFill>
-          <a:blip r:embed="rId27">
+          <a:blip r:embed="rId28">
             <a:extLst>
               <a:ext uri="{28A0092B-C50C-407E-A947-70E740481C1C}">
                 <a14:useLocalDpi xmlns:a14="http://schemas.microsoft.com/office/drawing/2010/main" val="0"/>
               </a:ext>
               <a:ext uri="{96DAC541-7B7A-43D3-8B79-37D633B846F1}">
-                <asvg:svgBlip xmlns:asvg="http://schemas.microsoft.com/office/drawing/2016/SVG/main" r:embed="rId28"/>
+                <asvg:svgBlip xmlns:asvg="http://schemas.microsoft.com/office/drawing/2016/SVG/main" r:embed="rId29"/>
               </a:ext>
             </a:extLst>
           </a:blip>
@@ -7107,7 +7108,7 @@
       <p:pic>
         <p:nvPicPr>
           <p:cNvPr id="35" name="Graphic 34" descr="Suitcase with solid fill">
-            <a:hlinkClick r:id="rId29" action="ppaction://hlinksldjump"/>
+            <a:hlinkClick r:id="rId30" action="ppaction://hlinksldjump"/>
             <a:extLst>
               <a:ext uri="{FF2B5EF4-FFF2-40B4-BE49-F238E27FC236}">
                 <a16:creationId xmlns:a16="http://schemas.microsoft.com/office/drawing/2014/main" id="{8F94974D-9432-8744-4CCB-2A9FF80B212B}"/>
@@ -7120,13 +7121,13 @@
           <p:nvPr/>
         </p:nvPicPr>
         <p:blipFill>
-          <a:blip r:embed="rId30">
+          <a:blip r:embed="rId31">
             <a:extLst>
               <a:ext uri="{28A0092B-C50C-407E-A947-70E740481C1C}">
                 <a14:useLocalDpi xmlns:a14="http://schemas.microsoft.com/office/drawing/2010/main" val="0"/>
               </a:ext>
               <a:ext uri="{96DAC541-7B7A-43D3-8B79-37D633B846F1}">
-                <asvg:svgBlip xmlns:asvg="http://schemas.microsoft.com/office/drawing/2016/SVG/main" r:embed="rId31"/>
+                <asvg:svgBlip xmlns:asvg="http://schemas.microsoft.com/office/drawing/2016/SVG/main" r:embed="rId32"/>
               </a:ext>
             </a:extLst>
           </a:blip>
@@ -7233,13 +7234,13 @@
             <p:nvPr/>
           </p:nvPicPr>
           <p:blipFill>
-            <a:blip r:embed="rId32">
+            <a:blip r:embed="rId33">
               <a:extLst>
                 <a:ext uri="{28A0092B-C50C-407E-A947-70E740481C1C}">
                   <a14:useLocalDpi xmlns:a14="http://schemas.microsoft.com/office/drawing/2010/main" val="0"/>
                 </a:ext>
                 <a:ext uri="{96DAC541-7B7A-43D3-8B79-37D633B846F1}">
-                  <asvg:svgBlip xmlns:asvg="http://schemas.microsoft.com/office/drawing/2016/SVG/main" r:embed="rId33"/>
+                  <asvg:svgBlip xmlns:asvg="http://schemas.microsoft.com/office/drawing/2016/SVG/main" r:embed="rId34"/>
                 </a:ext>
               </a:extLst>
             </a:blip>
@@ -7274,13 +7275,13 @@
           <p:nvPr/>
         </p:nvPicPr>
         <p:blipFill>
-          <a:blip r:embed="rId34">
+          <a:blip r:embed="rId35">
             <a:extLst>
               <a:ext uri="{28A0092B-C50C-407E-A947-70E740481C1C}">
                 <a14:useLocalDpi xmlns:a14="http://schemas.microsoft.com/office/drawing/2010/main" val="0"/>
               </a:ext>
               <a:ext uri="{96DAC541-7B7A-43D3-8B79-37D633B846F1}">
-                <asvg:svgBlip xmlns:asvg="http://schemas.microsoft.com/office/drawing/2016/SVG/main" r:embed="rId35"/>
+                <asvg:svgBlip xmlns:asvg="http://schemas.microsoft.com/office/drawing/2016/SVG/main" r:embed="rId36"/>
               </a:ext>
             </a:extLst>
           </a:blip>
@@ -10679,6 +10680,7 @@
       <p:pic>
         <p:nvPicPr>
           <p:cNvPr id="1033" name="Graphic 1032" descr="Lightbulb with solid fill">
+            <a:hlinkClick r:id="rId25" action="ppaction://hlinksldjump"/>
             <a:extLst>
               <a:ext uri="{FF2B5EF4-FFF2-40B4-BE49-F238E27FC236}">
                 <a16:creationId xmlns:a16="http://schemas.microsoft.com/office/drawing/2014/main" id="{60A76FE5-E99E-4E18-CB2C-F8869D570153}"/>
@@ -10691,13 +10693,13 @@
           <p:nvPr/>
         </p:nvPicPr>
         <p:blipFill>
-          <a:blip r:embed="rId25">
+          <a:blip r:embed="rId26">
             <a:extLst>
               <a:ext uri="{28A0092B-C50C-407E-A947-70E740481C1C}">
                 <a14:useLocalDpi xmlns:a14="http://schemas.microsoft.com/office/drawing/2010/main" val="0"/>
               </a:ext>
               <a:ext uri="{96DAC541-7B7A-43D3-8B79-37D633B846F1}">
-                <asvg:svgBlip xmlns:asvg="http://schemas.microsoft.com/office/drawing/2016/SVG/main" r:embed="rId26"/>
+                <asvg:svgBlip xmlns:asvg="http://schemas.microsoft.com/office/drawing/2016/SVG/main" r:embed="rId27"/>
               </a:ext>
             </a:extLst>
           </a:blip>
@@ -10718,7 +10720,7 @@
       <p:pic>
         <p:nvPicPr>
           <p:cNvPr id="1034" name="Graphic 1033" descr="Suitcase with solid fill">
-            <a:hlinkClick r:id="rId27" action="ppaction://hlinksldjump"/>
+            <a:hlinkClick r:id="rId28" action="ppaction://hlinksldjump"/>
             <a:extLst>
               <a:ext uri="{FF2B5EF4-FFF2-40B4-BE49-F238E27FC236}">
                 <a16:creationId xmlns:a16="http://schemas.microsoft.com/office/drawing/2014/main" id="{DBCBA9E3-4FD9-F564-FF53-CD003BE6CAAC}"/>
@@ -10731,13 +10733,13 @@
           <p:nvPr/>
         </p:nvPicPr>
         <p:blipFill>
-          <a:blip r:embed="rId28">
+          <a:blip r:embed="rId29">
             <a:extLst>
               <a:ext uri="{28A0092B-C50C-407E-A947-70E740481C1C}">
                 <a14:useLocalDpi xmlns:a14="http://schemas.microsoft.com/office/drawing/2010/main" val="0"/>
               </a:ext>
               <a:ext uri="{96DAC541-7B7A-43D3-8B79-37D633B846F1}">
-                <asvg:svgBlip xmlns:asvg="http://schemas.microsoft.com/office/drawing/2016/SVG/main" r:embed="rId29"/>
+                <asvg:svgBlip xmlns:asvg="http://schemas.microsoft.com/office/drawing/2016/SVG/main" r:embed="rId30"/>
               </a:ext>
             </a:extLst>
           </a:blip>
@@ -10844,13 +10846,13 @@
             <p:nvPr/>
           </p:nvPicPr>
           <p:blipFill>
-            <a:blip r:embed="rId30">
+            <a:blip r:embed="rId31">
               <a:extLst>
                 <a:ext uri="{28A0092B-C50C-407E-A947-70E740481C1C}">
                   <a14:useLocalDpi xmlns:a14="http://schemas.microsoft.com/office/drawing/2010/main" val="0"/>
                 </a:ext>
                 <a:ext uri="{96DAC541-7B7A-43D3-8B79-37D633B846F1}">
-                  <asvg:svgBlip xmlns:asvg="http://schemas.microsoft.com/office/drawing/2016/SVG/main" r:embed="rId31"/>
+                  <asvg:svgBlip xmlns:asvg="http://schemas.microsoft.com/office/drawing/2016/SVG/main" r:embed="rId32"/>
                 </a:ext>
               </a:extLst>
             </a:blip>
@@ -10885,13 +10887,13 @@
           <p:nvPr/>
         </p:nvPicPr>
         <p:blipFill>
-          <a:blip r:embed="rId32">
+          <a:blip r:embed="rId33">
             <a:extLst>
               <a:ext uri="{28A0092B-C50C-407E-A947-70E740481C1C}">
                 <a14:useLocalDpi xmlns:a14="http://schemas.microsoft.com/office/drawing/2010/main" val="0"/>
               </a:ext>
               <a:ext uri="{96DAC541-7B7A-43D3-8B79-37D633B846F1}">
-                <asvg:svgBlip xmlns:asvg="http://schemas.microsoft.com/office/drawing/2016/SVG/main" r:embed="rId33"/>
+                <asvg:svgBlip xmlns:asvg="http://schemas.microsoft.com/office/drawing/2016/SVG/main" r:embed="rId34"/>
               </a:ext>
             </a:extLst>
           </a:blip>
@@ -10942,6 +10944,148 @@
               <a:t>Business plan</a:t>
             </a:r>
             <a:endParaRPr lang="bg-BG" sz="4400" dirty="0"/>
+          </a:p>
+        </p:txBody>
+      </p:sp>
+      <p:sp>
+        <p:nvSpPr>
+          <p:cNvPr id="4" name="TextBox 3">
+            <a:extLst>
+              <a:ext uri="{FF2B5EF4-FFF2-40B4-BE49-F238E27FC236}">
+                <a16:creationId xmlns:a16="http://schemas.microsoft.com/office/drawing/2014/main" id="{B6993DFC-71FE-A801-7771-C123D0149FDF}"/>
+              </a:ext>
+            </a:extLst>
+          </p:cNvPr>
+          <p:cNvSpPr txBox="1"/>
+          <p:nvPr/>
+        </p:nvSpPr>
+        <p:spPr>
+          <a:xfrm>
+            <a:off x="1893829" y="1363673"/>
+            <a:ext cx="9733281" cy="4467057"/>
+          </a:xfrm>
+          <a:prstGeom prst="rect">
+            <a:avLst/>
+          </a:prstGeom>
+          <a:noFill/>
+        </p:spPr>
+        <p:txBody>
+          <a:bodyPr wrap="square">
+            <a:spAutoFit/>
+          </a:bodyPr>
+          <a:lstStyle/>
+          <a:p>
+            <a:pPr marL="285750" indent="-285750">
+              <a:lnSpc>
+                <a:spcPct val="150000"/>
+              </a:lnSpc>
+              <a:buFont typeface="Arial" panose="020B0604020202020204" pitchFamily="34" charset="0"/>
+              <a:buChar char="•"/>
+            </a:pPr>
+            <a:r>
+              <a:rPr lang="en-US" sz="2400" b="0" i="0" dirty="0">
+                <a:effectLst/>
+                <a:latin typeface="gg sans"/>
+              </a:rPr>
+              <a:t>Implement, oversee and administer the use of solar panels in hospitals </a:t>
+            </a:r>
+          </a:p>
+          <a:p>
+            <a:pPr marL="285750" indent="-285750">
+              <a:lnSpc>
+                <a:spcPct val="150000"/>
+              </a:lnSpc>
+              <a:buFont typeface="Arial" panose="020B0604020202020204" pitchFamily="34" charset="0"/>
+              <a:buChar char="•"/>
+            </a:pPr>
+            <a:r>
+              <a:rPr lang="en-US" sz="2400" b="0" i="0" dirty="0">
+                <a:effectLst/>
+                <a:latin typeface="gg sans"/>
+              </a:rPr>
+              <a:t>Receive a percentage stake in the project </a:t>
+            </a:r>
+          </a:p>
+          <a:p>
+            <a:pPr marL="285750" indent="-285750">
+              <a:lnSpc>
+                <a:spcPct val="150000"/>
+              </a:lnSpc>
+              <a:buFont typeface="Arial" panose="020B0604020202020204" pitchFamily="34" charset="0"/>
+              <a:buChar char="•"/>
+            </a:pPr>
+            <a:r>
+              <a:rPr lang="en-US" sz="2400" b="0" i="0" dirty="0">
+                <a:effectLst/>
+                <a:latin typeface="gg sans"/>
+              </a:rPr>
+              <a:t>A renewable , environmentally friendly energy solution </a:t>
+            </a:r>
+          </a:p>
+          <a:p>
+            <a:pPr marL="285750" indent="-285750">
+              <a:lnSpc>
+                <a:spcPct val="150000"/>
+              </a:lnSpc>
+              <a:buFont typeface="Arial" panose="020B0604020202020204" pitchFamily="34" charset="0"/>
+              <a:buChar char="•"/>
+            </a:pPr>
+            <a:r>
+              <a:rPr lang="en-US" sz="2400" b="0" i="0" dirty="0">
+                <a:effectLst/>
+                <a:latin typeface="gg sans"/>
+              </a:rPr>
+              <a:t>Cost-effective solar power beneficial for all </a:t>
+            </a:r>
+          </a:p>
+          <a:p>
+            <a:pPr marL="285750" indent="-285750">
+              <a:lnSpc>
+                <a:spcPct val="150000"/>
+              </a:lnSpc>
+              <a:buFont typeface="Arial" panose="020B0604020202020204" pitchFamily="34" charset="0"/>
+              <a:buChar char="•"/>
+            </a:pPr>
+            <a:r>
+              <a:rPr lang="en-US" sz="2400" b="0" i="0" dirty="0">
+                <a:effectLst/>
+                <a:latin typeface="gg sans"/>
+              </a:rPr>
+              <a:t>Research and analysis on the best course of action to make sure the project succeeds </a:t>
+            </a:r>
+          </a:p>
+          <a:p>
+            <a:pPr marL="285750" indent="-285750">
+              <a:lnSpc>
+                <a:spcPct val="150000"/>
+              </a:lnSpc>
+              <a:buFont typeface="Arial" panose="020B0604020202020204" pitchFamily="34" charset="0"/>
+              <a:buChar char="•"/>
+            </a:pPr>
+            <a:r>
+              <a:rPr lang="en-US" sz="2400" b="0" i="0" dirty="0">
+                <a:effectLst/>
+                <a:latin typeface="gg sans"/>
+              </a:rPr>
+              <a:t>Adapt to any possible competition and stay informed on government laws </a:t>
+            </a:r>
+          </a:p>
+          <a:p>
+            <a:pPr marL="285750" indent="-285750">
+              <a:lnSpc>
+                <a:spcPct val="150000"/>
+              </a:lnSpc>
+              <a:buFont typeface="Arial" panose="020B0604020202020204" pitchFamily="34" charset="0"/>
+              <a:buChar char="•"/>
+            </a:pPr>
+            <a:r>
+              <a:rPr lang="en-US" sz="2400" b="0" i="0" dirty="0">
+                <a:effectLst/>
+                <a:latin typeface="gg sans"/>
+              </a:rPr>
+              <a:t>Get potential investors interested in the project</a:t>
+            </a:r>
+            <a:endParaRPr lang="bg-BG" sz="2400" dirty="0"/>
           </a:p>
         </p:txBody>
       </p:sp>
@@ -11674,7 +11818,7 @@
         </p:blipFill>
         <p:spPr bwMode="auto">
           <a:xfrm>
-            <a:off x="1923425" y="1638777"/>
+            <a:off x="9247096" y="1566718"/>
             <a:ext cx="1543247" cy="1543247"/>
           </a:xfrm>
           <a:prstGeom prst="rect">
@@ -11721,7 +11865,7 @@
         </p:blipFill>
         <p:spPr bwMode="auto">
           <a:xfrm>
-            <a:off x="6877844" y="3429000"/>
+            <a:off x="7315801" y="1566718"/>
             <a:ext cx="1439309" cy="1439309"/>
           </a:xfrm>
           <a:prstGeom prst="rect">
@@ -11741,10 +11885,10 @@
       </p:pic>
       <p:pic>
         <p:nvPicPr>
-          <p:cNvPr id="3082" name="Picture 10">
-            <a:extLst>
-              <a:ext uri="{FF2B5EF4-FFF2-40B4-BE49-F238E27FC236}">
-                <a16:creationId xmlns:a16="http://schemas.microsoft.com/office/drawing/2014/main" id="{702CF62C-B780-589F-0381-01B086B11561}"/>
+          <p:cNvPr id="3084" name="Picture 12">
+            <a:extLst>
+              <a:ext uri="{FF2B5EF4-FFF2-40B4-BE49-F238E27FC236}">
+                <a16:creationId xmlns:a16="http://schemas.microsoft.com/office/drawing/2014/main" id="{105EB4E0-1F5C-982E-7140-D4DD7F49D19F}"/>
               </a:ext>
             </a:extLst>
           </p:cNvPr>
@@ -11768,54 +11912,7 @@
         </p:blipFill>
         <p:spPr bwMode="auto">
           <a:xfrm>
-            <a:off x="5933088" y="1638777"/>
-            <a:ext cx="1546591" cy="1439309"/>
-          </a:xfrm>
-          <a:prstGeom prst="rect">
-            <a:avLst/>
-          </a:prstGeom>
-          <a:noFill/>
-          <a:extLst>
-            <a:ext uri="{909E8E84-426E-40DD-AFC4-6F175D3DCCD1}">
-              <a14:hiddenFill xmlns:a14="http://schemas.microsoft.com/office/drawing/2010/main">
-                <a:solidFill>
-                  <a:srgbClr val="FFFFFF"/>
-                </a:solidFill>
-              </a14:hiddenFill>
-            </a:ext>
-          </a:extLst>
-        </p:spPr>
-      </p:pic>
-      <p:pic>
-        <p:nvPicPr>
-          <p:cNvPr id="3084" name="Picture 12">
-            <a:extLst>
-              <a:ext uri="{FF2B5EF4-FFF2-40B4-BE49-F238E27FC236}">
-                <a16:creationId xmlns:a16="http://schemas.microsoft.com/office/drawing/2014/main" id="{105EB4E0-1F5C-982E-7140-D4DD7F49D19F}"/>
-              </a:ext>
-            </a:extLst>
-          </p:cNvPr>
-          <p:cNvPicPr>
-            <a:picLocks noChangeAspect="1" noChangeArrowheads="1"/>
-          </p:cNvPicPr>
-          <p:nvPr/>
-        </p:nvPicPr>
-        <p:blipFill>
-          <a:blip r:embed="rId5">
-            <a:extLst>
-              <a:ext uri="{28A0092B-C50C-407E-A947-70E740481C1C}">
-                <a14:useLocalDpi xmlns:a14="http://schemas.microsoft.com/office/drawing/2010/main" val="0"/>
-              </a:ext>
-            </a:extLst>
-          </a:blip>
-          <a:srcRect/>
-          <a:stretch>
-            <a:fillRect/>
-          </a:stretch>
-        </p:blipFill>
-        <p:spPr bwMode="auto">
-          <a:xfrm>
-            <a:off x="7858960" y="1647189"/>
+            <a:off x="3909628" y="3577694"/>
             <a:ext cx="1546590" cy="1437846"/>
           </a:xfrm>
           <a:prstGeom prst="rect">
@@ -11848,7 +11945,7 @@
           <p:nvPr/>
         </p:nvPicPr>
         <p:blipFill>
-          <a:blip r:embed="rId6">
+          <a:blip r:embed="rId5">
             <a:extLst>
               <a:ext uri="{28A0092B-C50C-407E-A947-70E740481C1C}">
                 <a14:useLocalDpi xmlns:a14="http://schemas.microsoft.com/office/drawing/2010/main" val="0"/>
@@ -11862,7 +11959,7 @@
         </p:blipFill>
         <p:spPr bwMode="auto">
           <a:xfrm>
-            <a:off x="2714223" y="3442725"/>
+            <a:off x="5231281" y="1599776"/>
             <a:ext cx="1439310" cy="1439310"/>
           </a:xfrm>
           <a:prstGeom prst="rect">
@@ -11895,7 +11992,7 @@
           <p:nvPr/>
         </p:nvPicPr>
         <p:blipFill>
-          <a:blip r:embed="rId7">
+          <a:blip r:embed="rId6">
             <a:extLst>
               <a:ext uri="{28A0092B-C50C-407E-A947-70E740481C1C}">
                 <a14:useLocalDpi xmlns:a14="http://schemas.microsoft.com/office/drawing/2010/main" val="0"/>
@@ -11909,7 +12006,7 @@
         </p:blipFill>
         <p:spPr bwMode="auto">
           <a:xfrm>
-            <a:off x="4749381" y="3442726"/>
+            <a:off x="2916518" y="1618686"/>
             <a:ext cx="1439309" cy="1439309"/>
           </a:xfrm>
           <a:prstGeom prst="rect">
@@ -11929,10 +12026,10 @@
       </p:pic>
       <p:pic>
         <p:nvPicPr>
-          <p:cNvPr id="1026" name="Picture 2">
-            <a:extLst>
-              <a:ext uri="{FF2B5EF4-FFF2-40B4-BE49-F238E27FC236}">
-                <a16:creationId xmlns:a16="http://schemas.microsoft.com/office/drawing/2014/main" id="{04E2C37D-16E7-67D8-2B38-DDA2D9331CC9}"/>
+          <p:cNvPr id="2050" name="Picture 2">
+            <a:extLst>
+              <a:ext uri="{FF2B5EF4-FFF2-40B4-BE49-F238E27FC236}">
+                <a16:creationId xmlns:a16="http://schemas.microsoft.com/office/drawing/2014/main" id="{74D382DB-E8C9-CCBF-6762-2F936238FDA2}"/>
               </a:ext>
             </a:extLst>
           </p:cNvPr>
@@ -11942,7 +12039,7 @@
           <p:nvPr/>
         </p:nvPicPr>
         <p:blipFill>
-          <a:blip r:embed="rId8">
+          <a:blip r:embed="rId7">
             <a:extLst>
               <a:ext uri="{28A0092B-C50C-407E-A947-70E740481C1C}">
                 <a14:useLocalDpi xmlns:a14="http://schemas.microsoft.com/office/drawing/2010/main" val="0"/>
@@ -11956,54 +12053,7 @@
         </p:blipFill>
         <p:spPr bwMode="auto">
           <a:xfrm>
-            <a:off x="3821496" y="1638777"/>
-            <a:ext cx="1546017" cy="1437846"/>
-          </a:xfrm>
-          <a:prstGeom prst="rect">
-            <a:avLst/>
-          </a:prstGeom>
-          <a:noFill/>
-          <a:extLst>
-            <a:ext uri="{909E8E84-426E-40DD-AFC4-6F175D3DCCD1}">
-              <a14:hiddenFill xmlns:a14="http://schemas.microsoft.com/office/drawing/2010/main">
-                <a:solidFill>
-                  <a:srgbClr val="FFFFFF"/>
-                </a:solidFill>
-              </a14:hiddenFill>
-            </a:ext>
-          </a:extLst>
-        </p:spPr>
-      </p:pic>
-      <p:pic>
-        <p:nvPicPr>
-          <p:cNvPr id="2050" name="Picture 2">
-            <a:extLst>
-              <a:ext uri="{FF2B5EF4-FFF2-40B4-BE49-F238E27FC236}">
-                <a16:creationId xmlns:a16="http://schemas.microsoft.com/office/drawing/2014/main" id="{74D382DB-E8C9-CCBF-6762-2F936238FDA2}"/>
-              </a:ext>
-            </a:extLst>
-          </p:cNvPr>
-          <p:cNvPicPr>
-            <a:picLocks noChangeAspect="1" noChangeArrowheads="1"/>
-          </p:cNvPicPr>
-          <p:nvPr/>
-        </p:nvPicPr>
-        <p:blipFill>
-          <a:blip r:embed="rId9">
-            <a:extLst>
-              <a:ext uri="{28A0092B-C50C-407E-A947-70E740481C1C}">
-                <a14:useLocalDpi xmlns:a14="http://schemas.microsoft.com/office/drawing/2010/main" val="0"/>
-              </a:ext>
-            </a:extLst>
-          </a:blip>
-          <a:srcRect/>
-          <a:stretch>
-            <a:fillRect/>
-          </a:stretch>
-        </p:blipFill>
-        <p:spPr bwMode="auto">
-          <a:xfrm>
-            <a:off x="8871475" y="3442725"/>
+            <a:off x="8882744" y="3664868"/>
             <a:ext cx="1439310" cy="1439310"/>
           </a:xfrm>
           <a:prstGeom prst="rect">
@@ -12036,7 +12086,7 @@
           <p:nvPr/>
         </p:nvPicPr>
         <p:blipFill>
-          <a:blip r:embed="rId10">
+          <a:blip r:embed="rId8">
             <a:extLst>
               <a:ext uri="{28A0092B-C50C-407E-A947-70E740481C1C}">
                 <a14:useLocalDpi xmlns:a14="http://schemas.microsoft.com/office/drawing/2010/main" val="0"/>
@@ -12050,7 +12100,7 @@
         </p:blipFill>
         <p:spPr bwMode="auto">
           <a:xfrm>
-            <a:off x="9300800" y="1532623"/>
+            <a:off x="5945700" y="3608317"/>
             <a:ext cx="2484937" cy="1552412"/>
           </a:xfrm>
           <a:prstGeom prst="rect">
@@ -12083,7 +12133,7 @@
           <p:nvPr/>
         </p:nvPicPr>
         <p:blipFill>
-          <a:blip r:embed="rId11">
+          <a:blip r:embed="rId9">
             <a:extLst>
               <a:ext uri="{28A0092B-C50C-407E-A947-70E740481C1C}">
                 <a14:useLocalDpi xmlns:a14="http://schemas.microsoft.com/office/drawing/2010/main" val="0"/>
@@ -12118,7 +12168,7 @@
       <p:pic>
         <p:nvPicPr>
           <p:cNvPr id="6" name="Graphic 5" descr="Play with solid fill">
-            <a:hlinkClick r:id="rId12" action="ppaction://hlinksldjump"/>
+            <a:hlinkClick r:id="rId10" action="ppaction://hlinksldjump"/>
             <a:extLst>
               <a:ext uri="{FF2B5EF4-FFF2-40B4-BE49-F238E27FC236}">
                 <a16:creationId xmlns:a16="http://schemas.microsoft.com/office/drawing/2014/main" id="{D5757030-5CBA-DFFC-53BA-7F3A0F83CE65}"/>
@@ -12131,13 +12181,13 @@
           <p:nvPr/>
         </p:nvPicPr>
         <p:blipFill>
-          <a:blip r:embed="rId13">
+          <a:blip r:embed="rId11">
             <a:extLst>
               <a:ext uri="{28A0092B-C50C-407E-A947-70E740481C1C}">
                 <a14:useLocalDpi xmlns:a14="http://schemas.microsoft.com/office/drawing/2010/main" val="0"/>
               </a:ext>
               <a:ext uri="{96DAC541-7B7A-43D3-8B79-37D633B846F1}">
-                <asvg:svgBlip xmlns:asvg="http://schemas.microsoft.com/office/drawing/2016/SVG/main" r:embed="rId14"/>
+                <asvg:svgBlip xmlns:asvg="http://schemas.microsoft.com/office/drawing/2016/SVG/main" r:embed="rId12"/>
               </a:ext>
             </a:extLst>
           </a:blip>
@@ -12232,7 +12282,7 @@
         <p:pic>
           <p:nvPicPr>
             <p:cNvPr id="10" name="Graphic 9" descr="Play with solid fill">
-              <a:hlinkClick r:id="rId12" action="ppaction://hlinksldjump"/>
+              <a:hlinkClick r:id="rId10" action="ppaction://hlinksldjump"/>
               <a:extLst>
                 <a:ext uri="{FF2B5EF4-FFF2-40B4-BE49-F238E27FC236}">
                   <a16:creationId xmlns:a16="http://schemas.microsoft.com/office/drawing/2014/main" id="{8698DC6B-144A-8996-7341-61B7B97F00AA}"/>
@@ -12245,13 +12295,13 @@
             <p:nvPr/>
           </p:nvPicPr>
           <p:blipFill>
-            <a:blip r:embed="rId15">
+            <a:blip r:embed="rId13">
               <a:extLst>
                 <a:ext uri="{28A0092B-C50C-407E-A947-70E740481C1C}">
                   <a14:useLocalDpi xmlns:a14="http://schemas.microsoft.com/office/drawing/2010/main" val="0"/>
                 </a:ext>
                 <a:ext uri="{96DAC541-7B7A-43D3-8B79-37D633B846F1}">
-                  <asvg:svgBlip xmlns:asvg="http://schemas.microsoft.com/office/drawing/2016/SVG/main" r:embed="rId16"/>
+                  <asvg:svgBlip xmlns:asvg="http://schemas.microsoft.com/office/drawing/2016/SVG/main" r:embed="rId14"/>
                 </a:ext>
               </a:extLst>
             </a:blip>
@@ -12359,13 +12409,13 @@
             <p:nvPr/>
           </p:nvPicPr>
           <p:blipFill>
-            <a:blip r:embed="rId17">
+            <a:blip r:embed="rId15">
               <a:extLst>
                 <a:ext uri="{28A0092B-C50C-407E-A947-70E740481C1C}">
                   <a14:useLocalDpi xmlns:a14="http://schemas.microsoft.com/office/drawing/2010/main" val="0"/>
                 </a:ext>
                 <a:ext uri="{96DAC541-7B7A-43D3-8B79-37D633B846F1}">
-                  <asvg:svgBlip xmlns:asvg="http://schemas.microsoft.com/office/drawing/2016/SVG/main" r:embed="rId18"/>
+                  <asvg:svgBlip xmlns:asvg="http://schemas.microsoft.com/office/drawing/2016/SVG/main" r:embed="rId16"/>
                 </a:ext>
               </a:extLst>
             </a:blip>
@@ -12473,13 +12523,13 @@
             <p:nvPr/>
           </p:nvPicPr>
           <p:blipFill>
-            <a:blip r:embed="rId19">
+            <a:blip r:embed="rId17">
               <a:extLst>
                 <a:ext uri="{28A0092B-C50C-407E-A947-70E740481C1C}">
                   <a14:useLocalDpi xmlns:a14="http://schemas.microsoft.com/office/drawing/2010/main" val="0"/>
                 </a:ext>
                 <a:ext uri="{96DAC541-7B7A-43D3-8B79-37D633B846F1}">
-                  <asvg:svgBlip xmlns:asvg="http://schemas.microsoft.com/office/drawing/2016/SVG/main" r:embed="rId20"/>
+                  <asvg:svgBlip xmlns:asvg="http://schemas.microsoft.com/office/drawing/2016/SVG/main" r:embed="rId18"/>
                 </a:ext>
               </a:extLst>
             </a:blip>
@@ -12587,13 +12637,13 @@
             <p:nvPr/>
           </p:nvPicPr>
           <p:blipFill>
-            <a:blip r:embed="rId21">
+            <a:blip r:embed="rId19">
               <a:extLst>
                 <a:ext uri="{28A0092B-C50C-407E-A947-70E740481C1C}">
                   <a14:useLocalDpi xmlns:a14="http://schemas.microsoft.com/office/drawing/2010/main" val="0"/>
                 </a:ext>
                 <a:ext uri="{96DAC541-7B7A-43D3-8B79-37D633B846F1}">
-                  <asvg:svgBlip xmlns:asvg="http://schemas.microsoft.com/office/drawing/2016/SVG/main" r:embed="rId22"/>
+                  <asvg:svgBlip xmlns:asvg="http://schemas.microsoft.com/office/drawing/2016/SVG/main" r:embed="rId20"/>
                 </a:ext>
               </a:extLst>
             </a:blip>
@@ -12615,7 +12665,7 @@
       <p:pic>
         <p:nvPicPr>
           <p:cNvPr id="20" name="Graphic 19" descr="Users outline">
-            <a:hlinkClick r:id="rId23" action="ppaction://hlinksldjump"/>
+            <a:hlinkClick r:id="rId21" action="ppaction://hlinksldjump"/>
             <a:extLst>
               <a:ext uri="{FF2B5EF4-FFF2-40B4-BE49-F238E27FC236}">
                 <a16:creationId xmlns:a16="http://schemas.microsoft.com/office/drawing/2014/main" id="{3B2A2F5A-8023-2905-3F63-8F6084FFB4A2}"/>
@@ -12628,13 +12678,13 @@
           <p:nvPr/>
         </p:nvPicPr>
         <p:blipFill>
-          <a:blip r:embed="rId24">
+          <a:blip r:embed="rId22">
             <a:extLst>
               <a:ext uri="{28A0092B-C50C-407E-A947-70E740481C1C}">
                 <a14:useLocalDpi xmlns:a14="http://schemas.microsoft.com/office/drawing/2010/main" val="0"/>
               </a:ext>
               <a:ext uri="{96DAC541-7B7A-43D3-8B79-37D633B846F1}">
-                <asvg:svgBlip xmlns:asvg="http://schemas.microsoft.com/office/drawing/2016/SVG/main" r:embed="rId25"/>
+                <asvg:svgBlip xmlns:asvg="http://schemas.microsoft.com/office/drawing/2016/SVG/main" r:embed="rId23"/>
               </a:ext>
             </a:extLst>
           </a:blip>
@@ -12655,7 +12705,7 @@
       <p:pic>
         <p:nvPicPr>
           <p:cNvPr id="21" name="Graphic 20" descr="Programmer male with solid fill">
-            <a:hlinkClick r:id="rId26" action="ppaction://hlinksldjump"/>
+            <a:hlinkClick r:id="rId24" action="ppaction://hlinksldjump"/>
             <a:extLst>
               <a:ext uri="{FF2B5EF4-FFF2-40B4-BE49-F238E27FC236}">
                 <a16:creationId xmlns:a16="http://schemas.microsoft.com/office/drawing/2014/main" id="{15C4AEB0-BF1A-DE75-E6C1-1DB2EC65DB09}"/>
@@ -12668,13 +12718,13 @@
           <p:nvPr/>
         </p:nvPicPr>
         <p:blipFill>
-          <a:blip r:embed="rId27">
+          <a:blip r:embed="rId25">
             <a:extLst>
               <a:ext uri="{28A0092B-C50C-407E-A947-70E740481C1C}">
                 <a14:useLocalDpi xmlns:a14="http://schemas.microsoft.com/office/drawing/2010/main" val="0"/>
               </a:ext>
               <a:ext uri="{96DAC541-7B7A-43D3-8B79-37D633B846F1}">
-                <asvg:svgBlip xmlns:asvg="http://schemas.microsoft.com/office/drawing/2016/SVG/main" r:embed="rId28"/>
+                <asvg:svgBlip xmlns:asvg="http://schemas.microsoft.com/office/drawing/2016/SVG/main" r:embed="rId26"/>
               </a:ext>
             </a:extLst>
           </a:blip>
@@ -12695,7 +12745,7 @@
       <p:pic>
         <p:nvPicPr>
           <p:cNvPr id="22" name="Graphic 21" descr="Stop with solid fill">
-            <a:hlinkClick r:id="rId29" action="ppaction://hlinksldjump"/>
+            <a:hlinkClick r:id="rId27" action="ppaction://hlinksldjump"/>
             <a:extLst>
               <a:ext uri="{FF2B5EF4-FFF2-40B4-BE49-F238E27FC236}">
                 <a16:creationId xmlns:a16="http://schemas.microsoft.com/office/drawing/2014/main" id="{58005166-5813-274C-9281-5F10A175CE94}"/>
@@ -12708,13 +12758,13 @@
           <p:nvPr/>
         </p:nvPicPr>
         <p:blipFill>
-          <a:blip r:embed="rId30">
+          <a:blip r:embed="rId28">
             <a:extLst>
               <a:ext uri="{28A0092B-C50C-407E-A947-70E740481C1C}">
                 <a14:useLocalDpi xmlns:a14="http://schemas.microsoft.com/office/drawing/2010/main" val="0"/>
               </a:ext>
               <a:ext uri="{96DAC541-7B7A-43D3-8B79-37D633B846F1}">
-                <asvg:svgBlip xmlns:asvg="http://schemas.microsoft.com/office/drawing/2016/SVG/main" r:embed="rId31"/>
+                <asvg:svgBlip xmlns:asvg="http://schemas.microsoft.com/office/drawing/2016/SVG/main" r:embed="rId29"/>
               </a:ext>
             </a:extLst>
           </a:blip>
@@ -12821,13 +12871,13 @@
             <p:nvPr/>
           </p:nvPicPr>
           <p:blipFill>
-            <a:blip r:embed="rId32">
+            <a:blip r:embed="rId30">
               <a:extLst>
                 <a:ext uri="{28A0092B-C50C-407E-A947-70E740481C1C}">
                   <a14:useLocalDpi xmlns:a14="http://schemas.microsoft.com/office/drawing/2010/main" val="0"/>
                 </a:ext>
                 <a:ext uri="{96DAC541-7B7A-43D3-8B79-37D633B846F1}">
-                  <asvg:svgBlip xmlns:asvg="http://schemas.microsoft.com/office/drawing/2016/SVG/main" r:embed="rId33"/>
+                  <asvg:svgBlip xmlns:asvg="http://schemas.microsoft.com/office/drawing/2016/SVG/main" r:embed="rId31"/>
                 </a:ext>
               </a:extLst>
             </a:blip>
@@ -12849,6 +12899,7 @@
       <p:pic>
         <p:nvPicPr>
           <p:cNvPr id="27" name="Graphic 26" descr="Lightbulb with solid fill">
+            <a:hlinkClick r:id="rId32" action="ppaction://hlinksldjump"/>
             <a:extLst>
               <a:ext uri="{FF2B5EF4-FFF2-40B4-BE49-F238E27FC236}">
                 <a16:creationId xmlns:a16="http://schemas.microsoft.com/office/drawing/2014/main" id="{E3752713-7601-ABCF-E7BA-75C1D73FDC1E}"/>
@@ -12861,13 +12912,13 @@
           <p:nvPr/>
         </p:nvPicPr>
         <p:blipFill>
-          <a:blip r:embed="rId34">
+          <a:blip r:embed="rId33">
             <a:extLst>
               <a:ext uri="{28A0092B-C50C-407E-A947-70E740481C1C}">
                 <a14:useLocalDpi xmlns:a14="http://schemas.microsoft.com/office/drawing/2010/main" val="0"/>
               </a:ext>
               <a:ext uri="{96DAC541-7B7A-43D3-8B79-37D633B846F1}">
-                <asvg:svgBlip xmlns:asvg="http://schemas.microsoft.com/office/drawing/2016/SVG/main" r:embed="rId35"/>
+                <asvg:svgBlip xmlns:asvg="http://schemas.microsoft.com/office/drawing/2016/SVG/main" r:embed="rId34"/>
               </a:ext>
             </a:extLst>
           </a:blip>
@@ -12888,7 +12939,7 @@
       <p:pic>
         <p:nvPicPr>
           <p:cNvPr id="28" name="Graphic 27" descr="Suitcase with solid fill">
-            <a:hlinkClick r:id="rId36" action="ppaction://hlinksldjump"/>
+            <a:hlinkClick r:id="rId35" action="ppaction://hlinksldjump"/>
             <a:extLst>
               <a:ext uri="{FF2B5EF4-FFF2-40B4-BE49-F238E27FC236}">
                 <a16:creationId xmlns:a16="http://schemas.microsoft.com/office/drawing/2014/main" id="{5D8DF1F1-7855-F5D6-3039-5DDFAB589AA7}"/>
@@ -12901,13 +12952,13 @@
           <p:nvPr/>
         </p:nvPicPr>
         <p:blipFill>
-          <a:blip r:embed="rId37">
+          <a:blip r:embed="rId36">
             <a:extLst>
               <a:ext uri="{28A0092B-C50C-407E-A947-70E740481C1C}">
                 <a14:useLocalDpi xmlns:a14="http://schemas.microsoft.com/office/drawing/2010/main" val="0"/>
               </a:ext>
               <a:ext uri="{96DAC541-7B7A-43D3-8B79-37D633B846F1}">
-                <asvg:svgBlip xmlns:asvg="http://schemas.microsoft.com/office/drawing/2016/SVG/main" r:embed="rId38"/>
+                <asvg:svgBlip xmlns:asvg="http://schemas.microsoft.com/office/drawing/2016/SVG/main" r:embed="rId37"/>
               </a:ext>
             </a:extLst>
           </a:blip>
@@ -13014,13 +13065,13 @@
             <p:nvPr/>
           </p:nvPicPr>
           <p:blipFill>
-            <a:blip r:embed="rId39">
+            <a:blip r:embed="rId38">
               <a:extLst>
                 <a:ext uri="{28A0092B-C50C-407E-A947-70E740481C1C}">
                   <a14:useLocalDpi xmlns:a14="http://schemas.microsoft.com/office/drawing/2010/main" val="0"/>
                 </a:ext>
                 <a:ext uri="{96DAC541-7B7A-43D3-8B79-37D633B846F1}">
-                  <asvg:svgBlip xmlns:asvg="http://schemas.microsoft.com/office/drawing/2016/SVG/main" r:embed="rId40"/>
+                  <asvg:svgBlip xmlns:asvg="http://schemas.microsoft.com/office/drawing/2016/SVG/main" r:embed="rId39"/>
                 </a:ext>
               </a:extLst>
             </a:blip>
@@ -13042,7 +13093,7 @@
       <p:pic>
         <p:nvPicPr>
           <p:cNvPr id="35" name="Graphic 34" descr="Play with solid fill">
-            <a:hlinkClick r:id="rId12" action="ppaction://hlinksldjump"/>
+            <a:hlinkClick r:id="rId10" action="ppaction://hlinksldjump"/>
             <a:extLst>
               <a:ext uri="{FF2B5EF4-FFF2-40B4-BE49-F238E27FC236}">
                 <a16:creationId xmlns:a16="http://schemas.microsoft.com/office/drawing/2014/main" id="{CA22F230-A7FF-B85B-EE68-A4C156FD9290}"/>
@@ -13055,13 +13106,13 @@
           <p:nvPr/>
         </p:nvPicPr>
         <p:blipFill>
-          <a:blip r:embed="rId41">
+          <a:blip r:embed="rId40">
             <a:extLst>
               <a:ext uri="{28A0092B-C50C-407E-A947-70E740481C1C}">
                 <a14:useLocalDpi xmlns:a14="http://schemas.microsoft.com/office/drawing/2010/main" val="0"/>
               </a:ext>
               <a:ext uri="{96DAC541-7B7A-43D3-8B79-37D633B846F1}">
-                <asvg:svgBlip xmlns:asvg="http://schemas.microsoft.com/office/drawing/2016/SVG/main" r:embed="rId42"/>
+                <asvg:svgBlip xmlns:asvg="http://schemas.microsoft.com/office/drawing/2016/SVG/main" r:embed="rId41"/>
               </a:ext>
             </a:extLst>
           </a:blip>
@@ -14560,6 +14611,7 @@
       <p:pic>
         <p:nvPicPr>
           <p:cNvPr id="25" name="Graphic 24" descr="Lightbulb with solid fill">
+            <a:hlinkClick r:id="rId25" action="ppaction://hlinksldjump"/>
             <a:extLst>
               <a:ext uri="{FF2B5EF4-FFF2-40B4-BE49-F238E27FC236}">
                 <a16:creationId xmlns:a16="http://schemas.microsoft.com/office/drawing/2014/main" id="{BD4B450A-9E03-51AE-B181-A8BFBB186B5B}"/>
@@ -14572,13 +14624,13 @@
           <p:nvPr/>
         </p:nvPicPr>
         <p:blipFill>
-          <a:blip r:embed="rId25">
+          <a:blip r:embed="rId26">
             <a:extLst>
               <a:ext uri="{28A0092B-C50C-407E-A947-70E740481C1C}">
                 <a14:useLocalDpi xmlns:a14="http://schemas.microsoft.com/office/drawing/2010/main" val="0"/>
               </a:ext>
               <a:ext uri="{96DAC541-7B7A-43D3-8B79-37D633B846F1}">
-                <asvg:svgBlip xmlns:asvg="http://schemas.microsoft.com/office/drawing/2016/SVG/main" r:embed="rId26"/>
+                <asvg:svgBlip xmlns:asvg="http://schemas.microsoft.com/office/drawing/2016/SVG/main" r:embed="rId27"/>
               </a:ext>
             </a:extLst>
           </a:blip>
@@ -14599,7 +14651,7 @@
       <p:pic>
         <p:nvPicPr>
           <p:cNvPr id="26" name="Graphic 25" descr="Suitcase with solid fill">
-            <a:hlinkClick r:id="rId27" action="ppaction://hlinksldjump"/>
+            <a:hlinkClick r:id="rId28" action="ppaction://hlinksldjump"/>
             <a:extLst>
               <a:ext uri="{FF2B5EF4-FFF2-40B4-BE49-F238E27FC236}">
                 <a16:creationId xmlns:a16="http://schemas.microsoft.com/office/drawing/2014/main" id="{0013A591-E57A-9DE8-25E4-E747AE09EA55}"/>
@@ -14612,13 +14664,13 @@
           <p:nvPr/>
         </p:nvPicPr>
         <p:blipFill>
-          <a:blip r:embed="rId28">
+          <a:blip r:embed="rId29">
             <a:extLst>
               <a:ext uri="{28A0092B-C50C-407E-A947-70E740481C1C}">
                 <a14:useLocalDpi xmlns:a14="http://schemas.microsoft.com/office/drawing/2010/main" val="0"/>
               </a:ext>
               <a:ext uri="{96DAC541-7B7A-43D3-8B79-37D633B846F1}">
-                <asvg:svgBlip xmlns:asvg="http://schemas.microsoft.com/office/drawing/2016/SVG/main" r:embed="rId29"/>
+                <asvg:svgBlip xmlns:asvg="http://schemas.microsoft.com/office/drawing/2016/SVG/main" r:embed="rId30"/>
               </a:ext>
             </a:extLst>
           </a:blip>
@@ -14725,13 +14777,13 @@
             <p:nvPr/>
           </p:nvPicPr>
           <p:blipFill>
-            <a:blip r:embed="rId30">
+            <a:blip r:embed="rId31">
               <a:extLst>
                 <a:ext uri="{28A0092B-C50C-407E-A947-70E740481C1C}">
                   <a14:useLocalDpi xmlns:a14="http://schemas.microsoft.com/office/drawing/2010/main" val="0"/>
                 </a:ext>
                 <a:ext uri="{96DAC541-7B7A-43D3-8B79-37D633B846F1}">
-                  <asvg:svgBlip xmlns:asvg="http://schemas.microsoft.com/office/drawing/2016/SVG/main" r:embed="rId31"/>
+                  <asvg:svgBlip xmlns:asvg="http://schemas.microsoft.com/office/drawing/2016/SVG/main" r:embed="rId32"/>
                 </a:ext>
               </a:extLst>
             </a:blip>
@@ -14766,13 +14818,13 @@
           <p:nvPr/>
         </p:nvPicPr>
         <p:blipFill>
-          <a:blip r:embed="rId32">
+          <a:blip r:embed="rId33">
             <a:extLst>
               <a:ext uri="{28A0092B-C50C-407E-A947-70E740481C1C}">
                 <a14:useLocalDpi xmlns:a14="http://schemas.microsoft.com/office/drawing/2010/main" val="0"/>
               </a:ext>
               <a:ext uri="{96DAC541-7B7A-43D3-8B79-37D633B846F1}">
-                <asvg:svgBlip xmlns:asvg="http://schemas.microsoft.com/office/drawing/2016/SVG/main" r:embed="rId33"/>
+                <asvg:svgBlip xmlns:asvg="http://schemas.microsoft.com/office/drawing/2016/SVG/main" r:embed="rId34"/>
               </a:ext>
             </a:extLst>
           </a:blip>
@@ -15665,16 +15717,16 @@
 <file path=customXml/itemProps3.xml><?xml version="1.0" encoding="utf-8"?>
 <ds:datastoreItem xmlns:ds="http://schemas.openxmlformats.org/officeDocument/2006/customXml" ds:itemID="{AF7C0069-64A7-47EC-A2D7-753BF1FD2584}">
   <ds:schemaRefs>
-    <ds:schemaRef ds:uri="http://schemas.openxmlformats.org/package/2006/metadata/core-properties"/>
-    <ds:schemaRef ds:uri="http://purl.org/dc/dcmitype/"/>
-    <ds:schemaRef ds:uri="http://schemas.microsoft.com/office/infopath/2007/PartnerControls"/>
     <ds:schemaRef ds:uri="http://purl.org/dc/elements/1.1/"/>
     <ds:schemaRef ds:uri="http://schemas.microsoft.com/office/2006/metadata/properties"/>
+    <ds:schemaRef ds:uri="http://schemas.openxmlformats.org/package/2006/metadata/core-properties"/>
     <ds:schemaRef ds:uri="http://schemas.microsoft.com/office/2006/documentManagement/types"/>
+    <ds:schemaRef ds:uri="http://schemas.microsoft.com/office/infopath/2007/PartnerControls"/>
     <ds:schemaRef ds:uri="c2ea8659-bc04-4a8d-85a8-e3c83ebd3738"/>
-    <ds:schemaRef ds:uri="http://purl.org/dc/terms/"/>
+    <ds:schemaRef ds:uri="http://purl.org/dc/dcmitype/"/>
     <ds:schemaRef ds:uri="81b0186a-5304-4fc4-b7ba-08fd66ef1995"/>
     <ds:schemaRef ds:uri="http://www.w3.org/XML/1998/namespace"/>
+    <ds:schemaRef ds:uri="http://purl.org/dc/terms/"/>
   </ds:schemaRefs>
 </ds:datastoreItem>
 </file>